--- a/Homeworks/Event Hawk Final.pptx
+++ b/Homeworks/Event Hawk Final.pptx
@@ -844,7 +844,7 @@
           <a:p>
             <a:fld id="{730E3EE7-78B0-4F35-AE80-B69279271F16}" type="datetimeFigureOut">
               <a:rPr lang="en-US" smtClean="0"/>
-              <a:t>11/26/2017</a:t>
+              <a:t>11/27/2017</a:t>
             </a:fld>
             <a:endParaRPr lang="en-US"/>
           </a:p>
@@ -1095,7 +1095,7 @@
           <a:p>
             <a:fld id="{730E3EE7-78B0-4F35-AE80-B69279271F16}" type="datetimeFigureOut">
               <a:rPr lang="en-US" smtClean="0"/>
-              <a:t>11/26/2017</a:t>
+              <a:t>11/27/2017</a:t>
             </a:fld>
             <a:endParaRPr lang="en-US"/>
           </a:p>
@@ -1409,7 +1409,7 @@
           <a:p>
             <a:fld id="{730E3EE7-78B0-4F35-AE80-B69279271F16}" type="datetimeFigureOut">
               <a:rPr lang="en-US" smtClean="0"/>
-              <a:t>11/26/2017</a:t>
+              <a:t>11/27/2017</a:t>
             </a:fld>
             <a:endParaRPr lang="en-US"/>
           </a:p>
@@ -1750,7 +1750,7 @@
           <a:p>
             <a:fld id="{730E3EE7-78B0-4F35-AE80-B69279271F16}" type="datetimeFigureOut">
               <a:rPr lang="en-US" smtClean="0"/>
-              <a:t>11/26/2017</a:t>
+              <a:t>11/27/2017</a:t>
             </a:fld>
             <a:endParaRPr lang="en-US"/>
           </a:p>
@@ -2064,7 +2064,7 @@
           <a:p>
             <a:fld id="{730E3EE7-78B0-4F35-AE80-B69279271F16}" type="datetimeFigureOut">
               <a:rPr lang="en-US" smtClean="0"/>
-              <a:t>11/26/2017</a:t>
+              <a:t>11/27/2017</a:t>
             </a:fld>
             <a:endParaRPr lang="en-US"/>
           </a:p>
@@ -2457,7 +2457,7 @@
           <a:p>
             <a:fld id="{730E3EE7-78B0-4F35-AE80-B69279271F16}" type="datetimeFigureOut">
               <a:rPr lang="en-US" smtClean="0"/>
-              <a:t>11/26/2017</a:t>
+              <a:t>11/27/2017</a:t>
             </a:fld>
             <a:endParaRPr lang="en-US"/>
           </a:p>
@@ -2627,7 +2627,7 @@
           <a:p>
             <a:fld id="{730E3EE7-78B0-4F35-AE80-B69279271F16}" type="datetimeFigureOut">
               <a:rPr lang="en-US" smtClean="0"/>
-              <a:t>11/26/2017</a:t>
+              <a:t>11/27/2017</a:t>
             </a:fld>
             <a:endParaRPr lang="en-US"/>
           </a:p>
@@ -2807,7 +2807,7 @@
           <a:p>
             <a:fld id="{730E3EE7-78B0-4F35-AE80-B69279271F16}" type="datetimeFigureOut">
               <a:rPr lang="en-US" smtClean="0"/>
-              <a:t>11/26/2017</a:t>
+              <a:t>11/27/2017</a:t>
             </a:fld>
             <a:endParaRPr lang="en-US"/>
           </a:p>
@@ -2983,7 +2983,7 @@
           <a:p>
             <a:fld id="{730E3EE7-78B0-4F35-AE80-B69279271F16}" type="datetimeFigureOut">
               <a:rPr lang="en-US" smtClean="0"/>
-              <a:t>11/26/2017</a:t>
+              <a:t>11/27/2017</a:t>
             </a:fld>
             <a:endParaRPr lang="en-US"/>
           </a:p>
@@ -3230,7 +3230,7 @@
           <a:p>
             <a:fld id="{730E3EE7-78B0-4F35-AE80-B69279271F16}" type="datetimeFigureOut">
               <a:rPr lang="en-US" smtClean="0"/>
-              <a:t>11/26/2017</a:t>
+              <a:t>11/27/2017</a:t>
             </a:fld>
             <a:endParaRPr lang="en-US"/>
           </a:p>
@@ -3462,7 +3462,7 @@
           <a:p>
             <a:fld id="{730E3EE7-78B0-4F35-AE80-B69279271F16}" type="datetimeFigureOut">
               <a:rPr lang="en-US" smtClean="0"/>
-              <a:t>11/26/2017</a:t>
+              <a:t>11/27/2017</a:t>
             </a:fld>
             <a:endParaRPr lang="en-US"/>
           </a:p>
@@ -3836,7 +3836,7 @@
           <a:p>
             <a:fld id="{730E3EE7-78B0-4F35-AE80-B69279271F16}" type="datetimeFigureOut">
               <a:rPr lang="en-US" smtClean="0"/>
-              <a:t>11/26/2017</a:t>
+              <a:t>11/27/2017</a:t>
             </a:fld>
             <a:endParaRPr lang="en-US"/>
           </a:p>
@@ -3959,7 +3959,7 @@
           <a:p>
             <a:fld id="{730E3EE7-78B0-4F35-AE80-B69279271F16}" type="datetimeFigureOut">
               <a:rPr lang="en-US" smtClean="0"/>
-              <a:t>11/26/2017</a:t>
+              <a:t>11/27/2017</a:t>
             </a:fld>
             <a:endParaRPr lang="en-US"/>
           </a:p>
@@ -4054,7 +4054,7 @@
           <a:p>
             <a:fld id="{730E3EE7-78B0-4F35-AE80-B69279271F16}" type="datetimeFigureOut">
               <a:rPr lang="en-US" smtClean="0"/>
-              <a:t>11/26/2017</a:t>
+              <a:t>11/27/2017</a:t>
             </a:fld>
             <a:endParaRPr lang="en-US"/>
           </a:p>
@@ -4309,7 +4309,7 @@
           <a:p>
             <a:fld id="{730E3EE7-78B0-4F35-AE80-B69279271F16}" type="datetimeFigureOut">
               <a:rPr lang="en-US" smtClean="0"/>
-              <a:t>11/26/2017</a:t>
+              <a:t>11/27/2017</a:t>
             </a:fld>
             <a:endParaRPr lang="en-US"/>
           </a:p>
@@ -4572,7 +4572,7 @@
           <a:p>
             <a:fld id="{730E3EE7-78B0-4F35-AE80-B69279271F16}" type="datetimeFigureOut">
               <a:rPr lang="en-US" smtClean="0"/>
-              <a:t>11/26/2017</a:t>
+              <a:t>11/27/2017</a:t>
             </a:fld>
             <a:endParaRPr lang="en-US"/>
           </a:p>
@@ -5315,7 +5315,7 @@
           <a:p>
             <a:fld id="{730E3EE7-78B0-4F35-AE80-B69279271F16}" type="datetimeFigureOut">
               <a:rPr lang="en-US" smtClean="0"/>
-              <a:t>11/26/2017</a:t>
+              <a:t>11/27/2017</a:t>
             </a:fld>
             <a:endParaRPr lang="en-US"/>
           </a:p>
@@ -6132,7 +6132,7 @@
           <p:cNvPr id="5" name="Content Placeholder 2">
             <a:extLst>
               <a:ext uri="{FF2B5EF4-FFF2-40B4-BE49-F238E27FC236}">
-                <a16:creationId xmlns:a16="http://schemas.microsoft.com/office/drawing/2014/main" id="{53415649-E70D-4EEF-A670-AB11CB427824}"/>
+                <a16:creationId xmlns:a16="http://schemas.microsoft.com/office/drawing/2014/main" xmlns="" id="{53415649-E70D-4EEF-A670-AB11CB427824}"/>
               </a:ext>
             </a:extLst>
           </p:cNvPr>
@@ -6543,9 +6543,10 @@
           <a:p>
             <a:pPr lvl="1"/>
             <a:r>
-              <a:rPr lang="en-US" dirty="0"/>
-              <a:t>List problems here</a:t>
-            </a:r>
+              <a:rPr lang="en-US" dirty="0" smtClean="0"/>
+              <a:t>Learning React (one-way state); Experimental frameworks (Modal bug)</a:t>
+            </a:r>
+            <a:endParaRPr lang="en-US" dirty="0"/>
           </a:p>
           <a:p>
             <a:r>
@@ -6811,9 +6812,21 @@
           <a:lstStyle/>
           <a:p>
             <a:r>
-              <a:rPr lang="en-US" b="1" dirty="0"/>
+              <a:rPr lang="en-US" b="1" dirty="0" smtClean="0"/>
               <a:t>UI</a:t>
             </a:r>
+          </a:p>
+          <a:p>
+            <a:pPr lvl="1"/>
+            <a:r>
+              <a:rPr lang="en-US" dirty="0" smtClean="0"/>
+              <a:t>Declarative/functional programming work well for </a:t>
+            </a:r>
+            <a:r>
+              <a:rPr lang="en-US" dirty="0" err="1" smtClean="0"/>
+              <a:t>async</a:t>
+            </a:r>
+            <a:endParaRPr lang="en-US" dirty="0"/>
           </a:p>
           <a:p>
             <a:r>

--- a/Homeworks/Event Hawk Final.pptx
+++ b/Homeworks/Event Hawk Final.pptx
@@ -844,7 +844,7 @@
           <a:p>
             <a:fld id="{730E3EE7-78B0-4F35-AE80-B69279271F16}" type="datetimeFigureOut">
               <a:rPr lang="en-US" smtClean="0"/>
-              <a:t>11/27/2017</a:t>
+              <a:t>11/27/17</a:t>
             </a:fld>
             <a:endParaRPr lang="en-US"/>
           </a:p>
@@ -1095,7 +1095,7 @@
           <a:p>
             <a:fld id="{730E3EE7-78B0-4F35-AE80-B69279271F16}" type="datetimeFigureOut">
               <a:rPr lang="en-US" smtClean="0"/>
-              <a:t>11/27/2017</a:t>
+              <a:t>11/27/17</a:t>
             </a:fld>
             <a:endParaRPr lang="en-US"/>
           </a:p>
@@ -1409,7 +1409,7 @@
           <a:p>
             <a:fld id="{730E3EE7-78B0-4F35-AE80-B69279271F16}" type="datetimeFigureOut">
               <a:rPr lang="en-US" smtClean="0"/>
-              <a:t>11/27/2017</a:t>
+              <a:t>11/27/17</a:t>
             </a:fld>
             <a:endParaRPr lang="en-US"/>
           </a:p>
@@ -1750,7 +1750,7 @@
           <a:p>
             <a:fld id="{730E3EE7-78B0-4F35-AE80-B69279271F16}" type="datetimeFigureOut">
               <a:rPr lang="en-US" smtClean="0"/>
-              <a:t>11/27/2017</a:t>
+              <a:t>11/27/17</a:t>
             </a:fld>
             <a:endParaRPr lang="en-US"/>
           </a:p>
@@ -2064,7 +2064,7 @@
           <a:p>
             <a:fld id="{730E3EE7-78B0-4F35-AE80-B69279271F16}" type="datetimeFigureOut">
               <a:rPr lang="en-US" smtClean="0"/>
-              <a:t>11/27/2017</a:t>
+              <a:t>11/27/17</a:t>
             </a:fld>
             <a:endParaRPr lang="en-US"/>
           </a:p>
@@ -2457,7 +2457,7 @@
           <a:p>
             <a:fld id="{730E3EE7-78B0-4F35-AE80-B69279271F16}" type="datetimeFigureOut">
               <a:rPr lang="en-US" smtClean="0"/>
-              <a:t>11/27/2017</a:t>
+              <a:t>11/27/17</a:t>
             </a:fld>
             <a:endParaRPr lang="en-US"/>
           </a:p>
@@ -2627,7 +2627,7 @@
           <a:p>
             <a:fld id="{730E3EE7-78B0-4F35-AE80-B69279271F16}" type="datetimeFigureOut">
               <a:rPr lang="en-US" smtClean="0"/>
-              <a:t>11/27/2017</a:t>
+              <a:t>11/27/17</a:t>
             </a:fld>
             <a:endParaRPr lang="en-US"/>
           </a:p>
@@ -2807,7 +2807,7 @@
           <a:p>
             <a:fld id="{730E3EE7-78B0-4F35-AE80-B69279271F16}" type="datetimeFigureOut">
               <a:rPr lang="en-US" smtClean="0"/>
-              <a:t>11/27/2017</a:t>
+              <a:t>11/27/17</a:t>
             </a:fld>
             <a:endParaRPr lang="en-US"/>
           </a:p>
@@ -2983,7 +2983,7 @@
           <a:p>
             <a:fld id="{730E3EE7-78B0-4F35-AE80-B69279271F16}" type="datetimeFigureOut">
               <a:rPr lang="en-US" smtClean="0"/>
-              <a:t>11/27/2017</a:t>
+              <a:t>11/27/17</a:t>
             </a:fld>
             <a:endParaRPr lang="en-US"/>
           </a:p>
@@ -3230,7 +3230,7 @@
           <a:p>
             <a:fld id="{730E3EE7-78B0-4F35-AE80-B69279271F16}" type="datetimeFigureOut">
               <a:rPr lang="en-US" smtClean="0"/>
-              <a:t>11/27/2017</a:t>
+              <a:t>11/27/17</a:t>
             </a:fld>
             <a:endParaRPr lang="en-US"/>
           </a:p>
@@ -3462,7 +3462,7 @@
           <a:p>
             <a:fld id="{730E3EE7-78B0-4F35-AE80-B69279271F16}" type="datetimeFigureOut">
               <a:rPr lang="en-US" smtClean="0"/>
-              <a:t>11/27/2017</a:t>
+              <a:t>11/27/17</a:t>
             </a:fld>
             <a:endParaRPr lang="en-US"/>
           </a:p>
@@ -3836,7 +3836,7 @@
           <a:p>
             <a:fld id="{730E3EE7-78B0-4F35-AE80-B69279271F16}" type="datetimeFigureOut">
               <a:rPr lang="en-US" smtClean="0"/>
-              <a:t>11/27/2017</a:t>
+              <a:t>11/27/17</a:t>
             </a:fld>
             <a:endParaRPr lang="en-US"/>
           </a:p>
@@ -3959,7 +3959,7 @@
           <a:p>
             <a:fld id="{730E3EE7-78B0-4F35-AE80-B69279271F16}" type="datetimeFigureOut">
               <a:rPr lang="en-US" smtClean="0"/>
-              <a:t>11/27/2017</a:t>
+              <a:t>11/27/17</a:t>
             </a:fld>
             <a:endParaRPr lang="en-US"/>
           </a:p>
@@ -4054,7 +4054,7 @@
           <a:p>
             <a:fld id="{730E3EE7-78B0-4F35-AE80-B69279271F16}" type="datetimeFigureOut">
               <a:rPr lang="en-US" smtClean="0"/>
-              <a:t>11/27/2017</a:t>
+              <a:t>11/27/17</a:t>
             </a:fld>
             <a:endParaRPr lang="en-US"/>
           </a:p>
@@ -4309,7 +4309,7 @@
           <a:p>
             <a:fld id="{730E3EE7-78B0-4F35-AE80-B69279271F16}" type="datetimeFigureOut">
               <a:rPr lang="en-US" smtClean="0"/>
-              <a:t>11/27/2017</a:t>
+              <a:t>11/27/17</a:t>
             </a:fld>
             <a:endParaRPr lang="en-US"/>
           </a:p>
@@ -4572,7 +4572,7 @@
           <a:p>
             <a:fld id="{730E3EE7-78B0-4F35-AE80-B69279271F16}" type="datetimeFigureOut">
               <a:rPr lang="en-US" smtClean="0"/>
-              <a:t>11/27/2017</a:t>
+              <a:t>11/27/17</a:t>
             </a:fld>
             <a:endParaRPr lang="en-US"/>
           </a:p>
@@ -5315,7 +5315,7 @@
           <a:p>
             <a:fld id="{730E3EE7-78B0-4F35-AE80-B69279271F16}" type="datetimeFigureOut">
               <a:rPr lang="en-US" smtClean="0"/>
-              <a:t>11/27/2017</a:t>
+              <a:t>11/27/17</a:t>
             </a:fld>
             <a:endParaRPr lang="en-US"/>
           </a:p>
@@ -6069,59 +6069,80 @@
           <a:lstStyle/>
           <a:p>
             <a:r>
-              <a:rPr lang="en-US" b="1" dirty="0"/>
+              <a:rPr lang="en-US" sz="1900" b="1" dirty="0" smtClean="0"/>
               <a:t>UI</a:t>
             </a:r>
+            <a:endParaRPr lang="en-US" sz="1900" b="1" dirty="0"/>
           </a:p>
           <a:p>
             <a:pPr lvl="1"/>
             <a:r>
-              <a:rPr lang="en-US" dirty="0"/>
-              <a:t>React</a:t>
-            </a:r>
+              <a:rPr lang="en-US" sz="1700" dirty="0" smtClean="0"/>
+              <a:t>React/Router/DOM</a:t>
+            </a:r>
+            <a:endParaRPr lang="en-US" sz="1700" dirty="0"/>
           </a:p>
           <a:p>
             <a:pPr lvl="1"/>
             <a:r>
-              <a:rPr lang="en-US" dirty="0"/>
-              <a:t>React-Bootstrap</a:t>
-            </a:r>
+              <a:rPr lang="en-US" sz="1700" dirty="0" smtClean="0"/>
+              <a:t>React-Bootstrap/D3/Moment</a:t>
+            </a:r>
+            <a:endParaRPr lang="en-US" sz="1700" dirty="0"/>
+          </a:p>
+          <a:p>
+            <a:r>
+              <a:rPr lang="en-US" sz="2200" b="1" dirty="0" smtClean="0"/>
+              <a:t>Tools</a:t>
+            </a:r>
+            <a:endParaRPr lang="en-US" sz="2200" b="1" dirty="0"/>
           </a:p>
           <a:p>
             <a:pPr lvl="1"/>
             <a:r>
-              <a:rPr lang="en-US" dirty="0"/>
-              <a:t>React router</a:t>
-            </a:r>
+              <a:rPr lang="en-US" sz="1700" dirty="0" smtClean="0"/>
+              <a:t>Typescript/</a:t>
+            </a:r>
+            <a:r>
+              <a:rPr lang="en-US" sz="1700" dirty="0" err="1" smtClean="0"/>
+              <a:t>Webpack</a:t>
+            </a:r>
+            <a:endParaRPr lang="en-US" sz="1700" dirty="0"/>
           </a:p>
           <a:p>
             <a:pPr lvl="1"/>
             <a:r>
-              <a:rPr lang="en-US" dirty="0"/>
-              <a:t>Typescript</a:t>
-            </a:r>
+              <a:rPr lang="en-US" sz="1700" dirty="0" err="1" smtClean="0"/>
+              <a:t>NodeJS</a:t>
+            </a:r>
+            <a:r>
+              <a:rPr lang="en-US" sz="1700" dirty="0" smtClean="0"/>
+              <a:t>/Type</a:t>
+            </a:r>
+          </a:p>
+          <a:p>
+            <a:r>
+              <a:rPr lang="en-US" b="1" dirty="0" smtClean="0"/>
+              <a:t>State &amp; Request Handling</a:t>
+            </a:r>
+            <a:endParaRPr lang="en-US" b="1" dirty="0"/>
           </a:p>
           <a:p>
             <a:pPr lvl="1"/>
             <a:r>
-              <a:rPr lang="en-US" dirty="0" err="1"/>
-              <a:t>Jquery</a:t>
-            </a:r>
-            <a:endParaRPr lang="en-US" dirty="0"/>
+              <a:rPr lang="en-US" dirty="0" err="1" smtClean="0"/>
+              <a:t>Redux</a:t>
+            </a:r>
+            <a:r>
+              <a:rPr lang="en-US" dirty="0" smtClean="0"/>
+              <a:t>/JWT</a:t>
+            </a:r>
           </a:p>
           <a:p>
             <a:pPr lvl="1"/>
             <a:r>
-              <a:rPr lang="en-US" dirty="0" err="1"/>
-              <a:t>NodeJS</a:t>
-            </a:r>
-            <a:endParaRPr lang="en-US" dirty="0"/>
-          </a:p>
-          <a:p>
-            <a:pPr lvl="1"/>
-            <a:r>
-              <a:rPr lang="en-US" dirty="0" err="1"/>
-              <a:t>Webpack</a:t>
+              <a:rPr lang="en-US" dirty="0" err="1" smtClean="0"/>
+              <a:t>Axios</a:t>
             </a:r>
             <a:endParaRPr lang="en-US" dirty="0"/>
           </a:p>
@@ -6132,7 +6153,7 @@
           <p:cNvPr id="5" name="Content Placeholder 2">
             <a:extLst>
               <a:ext uri="{FF2B5EF4-FFF2-40B4-BE49-F238E27FC236}">
-                <a16:creationId xmlns:a16="http://schemas.microsoft.com/office/drawing/2014/main" xmlns="" id="{53415649-E70D-4EEF-A670-AB11CB427824}"/>
+                <a16:creationId xmlns="" xmlns:a16="http://schemas.microsoft.com/office/drawing/2014/main" id="{53415649-E70D-4EEF-A670-AB11CB427824}"/>
               </a:ext>
             </a:extLst>
           </p:cNvPr>
@@ -6544,7 +6565,22 @@
             <a:pPr lvl="1"/>
             <a:r>
               <a:rPr lang="en-US" dirty="0" smtClean="0"/>
-              <a:t>Learning React (one-way state); Experimental frameworks (Modal bug)</a:t>
+              <a:t>Learning React (one-way state); Experimental frameworks (Modal bug</a:t>
+            </a:r>
+            <a:r>
+              <a:rPr lang="en-US" dirty="0" smtClean="0"/>
+              <a:t>)</a:t>
+            </a:r>
+          </a:p>
+          <a:p>
+            <a:pPr lvl="1"/>
+            <a:r>
+              <a:rPr lang="en-US" dirty="0" err="1" smtClean="0"/>
+              <a:t>Redux</a:t>
+            </a:r>
+            <a:r>
+              <a:rPr lang="en-US" dirty="0" smtClean="0"/>
+              <a:t> (”Should we connect this?”)</a:t>
             </a:r>
             <a:endParaRPr lang="en-US" dirty="0"/>
           </a:p>
@@ -6667,7 +6703,7 @@
         <p:spPr/>
         <p:txBody>
           <a:bodyPr>
-            <a:normAutofit/>
+            <a:normAutofit fontScale="92500" lnSpcReduction="20000"/>
           </a:bodyPr>
           <a:lstStyle/>
           <a:p>
@@ -6679,16 +6715,46 @@
           <a:p>
             <a:pPr lvl="1"/>
             <a:r>
+              <a:rPr lang="en-US" dirty="0" smtClean="0"/>
+              <a:t>Global HTTP interceptor for data validation</a:t>
+            </a:r>
+          </a:p>
+          <a:p>
+            <a:pPr lvl="1"/>
+            <a:r>
+              <a:rPr lang="en-US" dirty="0" smtClean="0"/>
+              <a:t>Familiar </a:t>
+            </a:r>
+            <a:r>
               <a:rPr lang="en-US" dirty="0"/>
-              <a:t>Familiar and intuitive interface</a:t>
+              <a:t>and intuitive interface</a:t>
             </a:r>
           </a:p>
           <a:p>
             <a:pPr lvl="1"/>
             <a:r>
               <a:rPr lang="en-US" dirty="0"/>
-              <a:t>Functional/Reactive implementation</a:t>
-            </a:r>
+              <a:t>Functional/Reactive </a:t>
+            </a:r>
+            <a:r>
+              <a:rPr lang="en-US" dirty="0" smtClean="0"/>
+              <a:t>implementation</a:t>
+            </a:r>
+          </a:p>
+          <a:p>
+            <a:pPr lvl="1"/>
+            <a:r>
+              <a:rPr lang="en-US" dirty="0" smtClean="0"/>
+              <a:t>Strongly-typed front-end</a:t>
+            </a:r>
+          </a:p>
+          <a:p>
+            <a:pPr lvl="1"/>
+            <a:r>
+              <a:rPr lang="en-US" dirty="0" smtClean="0"/>
+              <a:t>Asynchronous, non-blocking User Experience</a:t>
+            </a:r>
+            <a:endParaRPr lang="en-US" dirty="0"/>
           </a:p>
           <a:p>
             <a:r>
@@ -6825,6 +6891,33 @@
             <a:r>
               <a:rPr lang="en-US" dirty="0" err="1" smtClean="0"/>
               <a:t>async</a:t>
+            </a:r>
+            <a:endParaRPr lang="en-US" dirty="0" smtClean="0"/>
+          </a:p>
+          <a:p>
+            <a:pPr lvl="1"/>
+            <a:r>
+              <a:rPr lang="en-US" dirty="0" err="1" smtClean="0"/>
+              <a:t>Redux</a:t>
+            </a:r>
+            <a:r>
+              <a:rPr lang="en-US" dirty="0" smtClean="0"/>
+              <a:t> </a:t>
+            </a:r>
+            <a:r>
+              <a:rPr lang="mr-IN" dirty="0" smtClean="0"/>
+              <a:t>–</a:t>
+            </a:r>
+            <a:r>
+              <a:rPr lang="en-US" dirty="0" smtClean="0"/>
+              <a:t> “with great power comes great responsibility”</a:t>
+            </a:r>
+          </a:p>
+          <a:p>
+            <a:pPr lvl="1"/>
+            <a:r>
+              <a:rPr lang="en-US" dirty="0" smtClean="0"/>
+              <a:t>Typescript helps us avoid common errors and and helps in building a predictable application</a:t>
             </a:r>
             <a:endParaRPr lang="en-US" dirty="0"/>
           </a:p>
